--- a/documentacion/fichas_curriculares/chihuahuaf/FICHA CURRICULAR OR CHIHUAHUA.pptx
+++ b/documentacion/fichas_curriculares/chihuahuaf/FICHA CURRICULAR OR CHIHUAHUA.pptx
@@ -164,7 +164,7 @@
 <file path=ppt/revisionInfo.xml><?xml version="1.0" encoding="utf-8"?>
 <p1510:revInfo xmlns:a="http://schemas.openxmlformats.org/drawingml/2006/main" xmlns:r="http://schemas.openxmlformats.org/officeDocument/2006/relationships" xmlns:p1510="http://schemas.microsoft.com/office/powerpoint/2015/10/main">
   <p1510:revLst>
-    <p1510:client id="{2E81FD48-3088-425A-822B-054C46994D02}" v="2" dt="2025-03-13T16:26:42.185"/>
+    <p1510:client id="{2E81FD48-3088-425A-822B-054C46994D02}" v="5" dt="2025-04-04T18:06:57.517"/>
   </p1510:revLst>
 </p1510:revInfo>
 </file>
@@ -174,12 +174,12 @@
   <pc:docChgLst>
     <pc:chgData name="Guillermo Jiménez Gómez" userId="e8e1a3bb2d1e013b" providerId="LiveId" clId="{2E81FD48-3088-425A-822B-054C46994D02}"/>
     <pc:docChg chg="undo custSel modSld">
-      <pc:chgData name="Guillermo Jiménez Gómez" userId="e8e1a3bb2d1e013b" providerId="LiveId" clId="{2E81FD48-3088-425A-822B-054C46994D02}" dt="2025-03-13T16:26:42.185" v="3" actId="14100"/>
+      <pc:chgData name="Guillermo Jiménez Gómez" userId="e8e1a3bb2d1e013b" providerId="LiveId" clId="{2E81FD48-3088-425A-822B-054C46994D02}" dt="2025-04-04T18:06:57.468" v="6" actId="20578"/>
       <pc:docMkLst>
         <pc:docMk/>
       </pc:docMkLst>
       <pc:sldChg chg="modSp mod">
-        <pc:chgData name="Guillermo Jiménez Gómez" userId="e8e1a3bb2d1e013b" providerId="LiveId" clId="{2E81FD48-3088-425A-822B-054C46994D02}" dt="2025-03-13T16:26:42.185" v="3" actId="14100"/>
+        <pc:chgData name="Guillermo Jiménez Gómez" userId="e8e1a3bb2d1e013b" providerId="LiveId" clId="{2E81FD48-3088-425A-822B-054C46994D02}" dt="2025-04-04T18:06:57.468" v="6" actId="20578"/>
         <pc:sldMkLst>
           <pc:docMk/>
           <pc:sldMk cId="2747310893" sldId="293"/>
@@ -190,6 +190,14 @@
             <pc:docMk/>
             <pc:sldMk cId="2747310893" sldId="293"/>
             <ac:spMk id="9" creationId="{41D50CEB-15BE-4F04-A8D2-3399305132F2}"/>
+          </ac:spMkLst>
+        </pc:spChg>
+        <pc:spChg chg="mod">
+          <ac:chgData name="Guillermo Jiménez Gómez" userId="e8e1a3bb2d1e013b" providerId="LiveId" clId="{2E81FD48-3088-425A-822B-054C46994D02}" dt="2025-04-04T18:06:57.468" v="6" actId="20578"/>
+          <ac:spMkLst>
+            <pc:docMk/>
+            <pc:sldMk cId="2747310893" sldId="293"/>
+            <ac:spMk id="14" creationId="{6167ED93-2177-4ECE-A34B-55D4880D62A1}"/>
           </ac:spMkLst>
         </pc:spChg>
         <pc:picChg chg="mod">
@@ -300,7 +308,7 @@
           <a:p>
             <a:fld id="{F95092CE-056A-8E4F-AA38-7AF6D4E38A72}" type="datetimeFigureOut">
               <a:rPr lang="es-MX" smtClean="0"/>
-              <a:t>13/03/2025</a:t>
+              <a:t>04/04/2025</a:t>
             </a:fld>
             <a:endParaRPr lang="es-MX" dirty="0"/>
           </a:p>
@@ -477,7 +485,7 @@
           <a:p>
             <a:fld id="{1A0E016B-CAC3-6B4C-90C0-D7AA6A747DA3}" type="datetimeFigureOut">
               <a:rPr lang="es-MX" smtClean="0"/>
-              <a:t>13/03/2025</a:t>
+              <a:t>04/04/2025</a:t>
             </a:fld>
             <a:endParaRPr lang="es-MX" dirty="0"/>
           </a:p>
@@ -821,7 +829,7 @@
           <a:p>
             <a:fld id="{60AD34A5-7122-4FDD-A205-26BF5AD0764F}" type="datetime1">
               <a:rPr lang="es-MX" smtClean="0"/>
-              <a:t>13/03/2025</a:t>
+              <a:t>04/04/2025</a:t>
             </a:fld>
             <a:endParaRPr lang="es-MX" dirty="0"/>
           </a:p>
@@ -1056,7 +1064,7 @@
           <a:p>
             <a:fld id="{D52C6386-2A49-4E71-9483-A022BD968E93}" type="datetime1">
               <a:rPr lang="es-MX" smtClean="0"/>
-              <a:t>13/03/2025</a:t>
+              <a:t>04/04/2025</a:t>
             </a:fld>
             <a:endParaRPr lang="es-MX" dirty="0"/>
           </a:p>
@@ -1236,7 +1244,7 @@
           <a:p>
             <a:fld id="{A36BB0E3-A34B-4055-BB24-35400B9A5AB2}" type="datetime1">
               <a:rPr lang="es-MX" smtClean="0"/>
-              <a:t>13/03/2025</a:t>
+              <a:t>04/04/2025</a:t>
             </a:fld>
             <a:endParaRPr lang="es-MX" dirty="0"/>
           </a:p>
@@ -1649,7 +1657,7 @@
           <a:p>
             <a:fld id="{EA8C93AC-693C-483E-A242-C2E89EAD95D8}" type="datetime1">
               <a:rPr lang="es-MX" smtClean="0"/>
-              <a:t>13/03/2025</a:t>
+              <a:t>04/04/2025</a:t>
             </a:fld>
             <a:endParaRPr lang="es-MX" dirty="0"/>
           </a:p>
@@ -1863,7 +1871,7 @@
           <a:p>
             <a:fld id="{60AD34A5-7122-4FDD-A205-26BF5AD0764F}" type="datetime1">
               <a:rPr lang="es-MX" smtClean="0"/>
-              <a:t>13/03/2025</a:t>
+              <a:t>04/04/2025</a:t>
             </a:fld>
             <a:endParaRPr lang="es-MX" dirty="0"/>
           </a:p>
@@ -2096,7 +2104,7 @@
           <a:p>
             <a:fld id="{FBA43AE6-8C2C-494F-A638-A73FDFE65F34}" type="datetime1">
               <a:rPr lang="es-MX" smtClean="0"/>
-              <a:t>13/03/2025</a:t>
+              <a:t>04/04/2025</a:t>
             </a:fld>
             <a:endParaRPr lang="es-MX" dirty="0"/>
           </a:p>
@@ -2475,7 +2483,7 @@
           <a:p>
             <a:fld id="{2989C84A-6259-46E7-BD7A-8DE6E91DE4B0}" type="datetime1">
               <a:rPr lang="es-MX" smtClean="0"/>
-              <a:t>13/03/2025</a:t>
+              <a:t>04/04/2025</a:t>
             </a:fld>
             <a:endParaRPr lang="es-MX" dirty="0"/>
           </a:p>
@@ -2617,7 +2625,7 @@
           <a:p>
             <a:fld id="{9DD9844E-9B62-4CA7-89EF-E142FF7EC456}" type="datetime1">
               <a:rPr lang="es-MX" smtClean="0"/>
-              <a:t>13/03/2025</a:t>
+              <a:t>04/04/2025</a:t>
             </a:fld>
             <a:endParaRPr lang="es-MX" dirty="0"/>
           </a:p>
@@ -3027,7 +3035,7 @@
           <a:p>
             <a:fld id="{2BABF6CD-679B-417F-A9EE-ED25E60EF2A1}" type="datetime1">
               <a:rPr lang="es-MX" smtClean="0"/>
-              <a:t>13/03/2025</a:t>
+              <a:t>04/04/2025</a:t>
             </a:fld>
             <a:endParaRPr lang="es-MX"/>
           </a:p>
@@ -3212,7 +3220,7 @@
           <a:p>
             <a:fld id="{60AD34A5-7122-4FDD-A205-26BF5AD0764F}" type="datetime1">
               <a:rPr lang="es-MX" smtClean="0"/>
-              <a:t>13/03/2025</a:t>
+              <a:t>04/04/2025</a:t>
             </a:fld>
             <a:endParaRPr lang="es-MX" dirty="0"/>
           </a:p>
@@ -4209,7 +4217,7 @@
         <p:spPr>
           <a:xfrm>
             <a:off x="3949148" y="492268"/>
-            <a:ext cx="8146773" cy="6479979"/>
+            <a:ext cx="8146773" cy="6380529"/>
           </a:xfrm>
           <a:prstGeom prst="rect">
             <a:avLst/>
@@ -4297,6 +4305,42 @@
               </a:rPr>
               <a:t>2019</a:t>
             </a:r>
+            <a:r>
+              <a:rPr lang="es-MX" sz="1300" b="0" baseline="0" dirty="0">
+                <a:solidFill>
+                  <a:srgbClr val="660033"/>
+                </a:solidFill>
+                <a:effectLst/>
+                <a:latin typeface="Geomanist" panose="02000503000000020004" pitchFamily="50" charset="0"/>
+              </a:rPr>
+              <a:t>.</a:t>
+            </a:r>
+          </a:p>
+          <a:p>
+            <a:pPr>
+              <a:lnSpc>
+                <a:spcPct val="150000"/>
+              </a:lnSpc>
+              <a:spcAft>
+                <a:spcPts val="0"/>
+              </a:spcAft>
+            </a:pPr>
+            <a:r>
+              <a:rPr lang="es-MX" sz="1300" b="1" baseline="0" dirty="0">
+                <a:solidFill>
+                  <a:srgbClr val="660033"/>
+                </a:solidFill>
+                <a:effectLst/>
+                <a:latin typeface="Geomanist Bold" panose="02000503000000020004" pitchFamily="50" charset="0"/>
+              </a:rPr>
+              <a:t>Dirección General de Control y Verificación Migratoria</a:t>
+            </a:r>
+            <a:endParaRPr lang="es-MX" sz="1300" b="1" dirty="0">
+              <a:solidFill>
+                <a:srgbClr val="660033"/>
+              </a:solidFill>
+              <a:latin typeface="Geomanist Medium" panose="02000603000000020004" pitchFamily="50" charset="0"/>
+            </a:endParaRPr>
           </a:p>
           <a:p>
             <a:pPr marL="171450" indent="-171450" algn="just">
@@ -4310,11 +4354,10 @@
               <a:buChar char="§"/>
             </a:pPr>
             <a:r>
-              <a:rPr lang="es-MX" sz="1300" b="1" baseline="0" dirty="0">
+              <a:rPr lang="es-MX" sz="1300" b="1" dirty="0">
                 <a:solidFill>
                   <a:srgbClr val="660033"/>
                 </a:solidFill>
-                <a:effectLst/>
                 <a:latin typeface="Geomanist Bold" panose="02000503000000020004" pitchFamily="50" charset="0"/>
               </a:rPr>
               <a:t>Oficina de Representación en el Estado de Chihuahua</a:t>
@@ -4332,57 +4375,39 @@
               <a:buNone/>
             </a:pPr>
             <a:r>
-              <a:rPr lang="es-MX" sz="1300" b="1" baseline="0" dirty="0">
+              <a:rPr lang="es-MX" sz="1300" b="1" dirty="0">
                 <a:solidFill>
                   <a:srgbClr val="660033"/>
                 </a:solidFill>
-                <a:effectLst/>
                 <a:latin typeface="Geomanist Bold" panose="02000503000000020004" pitchFamily="50" charset="0"/>
               </a:rPr>
               <a:t>      </a:t>
             </a:r>
             <a:r>
-              <a:rPr lang="es-MX" sz="1300" b="1" baseline="0" dirty="0">
+              <a:rPr lang="es-MX" sz="1300" b="1" dirty="0">
                 <a:solidFill>
                   <a:srgbClr val="660033"/>
                 </a:solidFill>
-                <a:effectLst/>
                 <a:latin typeface="Geomanist" panose="02000503000000020004" pitchFamily="50" charset="0"/>
               </a:rPr>
               <a:t>16/02/2024- a la fecha: </a:t>
             </a:r>
             <a:r>
-              <a:rPr lang="es-MX" sz="1300" b="0" baseline="0" dirty="0">
+              <a:rPr lang="es-MX" sz="1300" dirty="0">
                 <a:solidFill>
                   <a:srgbClr val="660033"/>
                 </a:solidFill>
-                <a:effectLst/>
                 <a:latin typeface="Geomanist" panose="02000503000000020004" pitchFamily="50" charset="0"/>
               </a:rPr>
-              <a:t>Titular de la Oficina de  Representación.</a:t>
-            </a:r>
-          </a:p>
-          <a:p>
-            <a:pPr marL="180975" indent="-180975" algn="just">
-              <a:lnSpc>
-                <a:spcPct val="150000"/>
-              </a:lnSpc>
-              <a:spcAft>
-                <a:spcPts val="0"/>
-              </a:spcAft>
-              <a:buFont typeface="Wingdings" panose="05000000000000000000" pitchFamily="2" charset="2"/>
-              <a:buChar char="§"/>
-            </a:pPr>
-            <a:r>
-              <a:rPr lang="es-MX" sz="1300" b="1" baseline="0" dirty="0">
-                <a:solidFill>
-                  <a:srgbClr val="660033"/>
-                </a:solidFill>
-                <a:effectLst/>
-                <a:latin typeface="Geomanist Bold" panose="02000503000000020004" pitchFamily="50" charset="0"/>
-              </a:rPr>
-              <a:t>Dirección General de Control y Verificación Migratoria</a:t>
-            </a:r>
+              <a:t>Titular de la Oficina de  Representación</a:t>
+            </a:r>
+            <a:endParaRPr lang="es-MX" sz="1300" b="1" baseline="0" dirty="0">
+              <a:solidFill>
+                <a:srgbClr val="660033"/>
+              </a:solidFill>
+              <a:effectLst/>
+              <a:latin typeface="Geomanist Bold" panose="02000503000000020004" pitchFamily="50" charset="0"/>
+            </a:endParaRPr>
           </a:p>
           <a:p>
             <a:pPr marL="180975" indent="-180975" algn="just">

--- a/documentacion/fichas_curriculares/chihuahuaf/FICHA CURRICULAR OR CHIHUAHUA.pptx
+++ b/documentacion/fichas_curriculares/chihuahuaf/FICHA CURRICULAR OR CHIHUAHUA.pptx
@@ -174,16 +174,24 @@
   <pc:docChgLst>
     <pc:chgData name="Guillermo Jiménez Gómez" userId="e8e1a3bb2d1e013b" providerId="LiveId" clId="{2E81FD48-3088-425A-822B-054C46994D02}"/>
     <pc:docChg chg="undo custSel modSld">
-      <pc:chgData name="Guillermo Jiménez Gómez" userId="e8e1a3bb2d1e013b" providerId="LiveId" clId="{2E81FD48-3088-425A-822B-054C46994D02}" dt="2025-04-04T18:06:57.468" v="6" actId="20578"/>
+      <pc:chgData name="Guillermo Jiménez Gómez" userId="e8e1a3bb2d1e013b" providerId="LiveId" clId="{2E81FD48-3088-425A-822B-054C46994D02}" dt="2025-04-07T17:28:45.667" v="7" actId="20577"/>
       <pc:docMkLst>
         <pc:docMk/>
       </pc:docMkLst>
       <pc:sldChg chg="modSp mod">
-        <pc:chgData name="Guillermo Jiménez Gómez" userId="e8e1a3bb2d1e013b" providerId="LiveId" clId="{2E81FD48-3088-425A-822B-054C46994D02}" dt="2025-04-04T18:06:57.468" v="6" actId="20578"/>
+        <pc:chgData name="Guillermo Jiménez Gómez" userId="e8e1a3bb2d1e013b" providerId="LiveId" clId="{2E81FD48-3088-425A-822B-054C46994D02}" dt="2025-04-07T17:28:45.667" v="7" actId="20577"/>
         <pc:sldMkLst>
           <pc:docMk/>
           <pc:sldMk cId="2747310893" sldId="293"/>
         </pc:sldMkLst>
+        <pc:spChg chg="mod">
+          <ac:chgData name="Guillermo Jiménez Gómez" userId="e8e1a3bb2d1e013b" providerId="LiveId" clId="{2E81FD48-3088-425A-822B-054C46994D02}" dt="2025-04-07T17:28:45.667" v="7" actId="20577"/>
+          <ac:spMkLst>
+            <pc:docMk/>
+            <pc:sldMk cId="2747310893" sldId="293"/>
+            <ac:spMk id="7" creationId="{DD2D26D3-FD3A-44AC-8B93-E55D2DCF8675}"/>
+          </ac:spMkLst>
+        </pc:spChg>
         <pc:spChg chg="mod">
           <ac:chgData name="Guillermo Jiménez Gómez" userId="e8e1a3bb2d1e013b" providerId="LiveId" clId="{2E81FD48-3088-425A-822B-054C46994D02}" dt="2025-03-13T16:14:05.198" v="1" actId="1076"/>
           <ac:spMkLst>
@@ -308,7 +316,7 @@
           <a:p>
             <a:fld id="{F95092CE-056A-8E4F-AA38-7AF6D4E38A72}" type="datetimeFigureOut">
               <a:rPr lang="es-MX" smtClean="0"/>
-              <a:t>04/04/2025</a:t>
+              <a:t>07/04/2025</a:t>
             </a:fld>
             <a:endParaRPr lang="es-MX" dirty="0"/>
           </a:p>
@@ -485,7 +493,7 @@
           <a:p>
             <a:fld id="{1A0E016B-CAC3-6B4C-90C0-D7AA6A747DA3}" type="datetimeFigureOut">
               <a:rPr lang="es-MX" smtClean="0"/>
-              <a:t>04/04/2025</a:t>
+              <a:t>07/04/2025</a:t>
             </a:fld>
             <a:endParaRPr lang="es-MX" dirty="0"/>
           </a:p>
@@ -829,7 +837,7 @@
           <a:p>
             <a:fld id="{60AD34A5-7122-4FDD-A205-26BF5AD0764F}" type="datetime1">
               <a:rPr lang="es-MX" smtClean="0"/>
-              <a:t>04/04/2025</a:t>
+              <a:t>07/04/2025</a:t>
             </a:fld>
             <a:endParaRPr lang="es-MX" dirty="0"/>
           </a:p>
@@ -1064,7 +1072,7 @@
           <a:p>
             <a:fld id="{D52C6386-2A49-4E71-9483-A022BD968E93}" type="datetime1">
               <a:rPr lang="es-MX" smtClean="0"/>
-              <a:t>04/04/2025</a:t>
+              <a:t>07/04/2025</a:t>
             </a:fld>
             <a:endParaRPr lang="es-MX" dirty="0"/>
           </a:p>
@@ -1244,7 +1252,7 @@
           <a:p>
             <a:fld id="{A36BB0E3-A34B-4055-BB24-35400B9A5AB2}" type="datetime1">
               <a:rPr lang="es-MX" smtClean="0"/>
-              <a:t>04/04/2025</a:t>
+              <a:t>07/04/2025</a:t>
             </a:fld>
             <a:endParaRPr lang="es-MX" dirty="0"/>
           </a:p>
@@ -1657,7 +1665,7 @@
           <a:p>
             <a:fld id="{EA8C93AC-693C-483E-A242-C2E89EAD95D8}" type="datetime1">
               <a:rPr lang="es-MX" smtClean="0"/>
-              <a:t>04/04/2025</a:t>
+              <a:t>07/04/2025</a:t>
             </a:fld>
             <a:endParaRPr lang="es-MX" dirty="0"/>
           </a:p>
@@ -1871,7 +1879,7 @@
           <a:p>
             <a:fld id="{60AD34A5-7122-4FDD-A205-26BF5AD0764F}" type="datetime1">
               <a:rPr lang="es-MX" smtClean="0"/>
-              <a:t>04/04/2025</a:t>
+              <a:t>07/04/2025</a:t>
             </a:fld>
             <a:endParaRPr lang="es-MX" dirty="0"/>
           </a:p>
@@ -2104,7 +2112,7 @@
           <a:p>
             <a:fld id="{FBA43AE6-8C2C-494F-A638-A73FDFE65F34}" type="datetime1">
               <a:rPr lang="es-MX" smtClean="0"/>
-              <a:t>04/04/2025</a:t>
+              <a:t>07/04/2025</a:t>
             </a:fld>
             <a:endParaRPr lang="es-MX" dirty="0"/>
           </a:p>
@@ -2483,7 +2491,7 @@
           <a:p>
             <a:fld id="{2989C84A-6259-46E7-BD7A-8DE6E91DE4B0}" type="datetime1">
               <a:rPr lang="es-MX" smtClean="0"/>
-              <a:t>04/04/2025</a:t>
+              <a:t>07/04/2025</a:t>
             </a:fld>
             <a:endParaRPr lang="es-MX" dirty="0"/>
           </a:p>
@@ -2625,7 +2633,7 @@
           <a:p>
             <a:fld id="{9DD9844E-9B62-4CA7-89EF-E142FF7EC456}" type="datetime1">
               <a:rPr lang="es-MX" smtClean="0"/>
-              <a:t>04/04/2025</a:t>
+              <a:t>07/04/2025</a:t>
             </a:fld>
             <a:endParaRPr lang="es-MX" dirty="0"/>
           </a:p>
@@ -3035,7 +3043,7 @@
           <a:p>
             <a:fld id="{2BABF6CD-679B-417F-A9EE-ED25E60EF2A1}" type="datetime1">
               <a:rPr lang="es-MX" smtClean="0"/>
-              <a:t>04/04/2025</a:t>
+              <a:t>07/04/2025</a:t>
             </a:fld>
             <a:endParaRPr lang="es-MX"/>
           </a:p>
@@ -3220,7 +3228,7 @@
           <a:p>
             <a:fld id="{60AD34A5-7122-4FDD-A205-26BF5AD0764F}" type="datetime1">
               <a:rPr lang="es-MX" smtClean="0"/>
-              <a:t>04/04/2025</a:t>
+              <a:t>07/04/2025</a:t>
             </a:fld>
             <a:endParaRPr lang="es-MX" dirty="0"/>
           </a:p>
@@ -3796,8 +3804,35 @@
                 <a:uFillTx/>
                 <a:latin typeface="+mj-lt"/>
               </a:rPr>
-              <a:t>Información de Contacto</a:t>
-            </a:r>
+              <a:t>Información </a:t>
+            </a:r>
+            <a:r>
+              <a:rPr kumimoji="0" lang="es-MX" sz="1400" b="1" i="0" u="none" strike="noStrike" kern="1200" cap="none" spc="0" normalizeH="0" baseline="0" noProof="0">
+                <a:ln>
+                  <a:noFill/>
+                </a:ln>
+                <a:solidFill>
+                  <a:schemeClr val="bg1"/>
+                </a:solidFill>
+                <a:effectLst/>
+                <a:uLnTx/>
+                <a:uFillTx/>
+                <a:latin typeface="+mj-lt"/>
+              </a:rPr>
+              <a:t>de Contacto	</a:t>
+            </a:r>
+            <a:endParaRPr kumimoji="0" lang="es-MX" sz="1400" b="1" i="0" u="none" strike="noStrike" kern="1200" cap="none" spc="0" normalizeH="0" baseline="0" noProof="0" dirty="0">
+              <a:ln>
+                <a:noFill/>
+              </a:ln>
+              <a:solidFill>
+                <a:schemeClr val="bg1"/>
+              </a:solidFill>
+              <a:effectLst/>
+              <a:uLnTx/>
+              <a:uFillTx/>
+              <a:latin typeface="+mj-lt"/>
+            </a:endParaRPr>
           </a:p>
           <a:p>
             <a:pPr marL="0" indent="0" algn="just">
